--- a/test-netflix.pptx
+++ b/test-netflix.pptx
@@ -7,7 +7,7 @@
   <p:sldIdLst>
     <p:sldId id="256" r:id="rId6"/>
   </p:sldIdLst>
-  <p:sldSz cx="24384000" cy="13716000"/>
+  <p:sldSz cx="24384000" cy="25400000"/>
   <p:notesSz cx="6858000" cy="9144000"/>
   <p:defaultTextStyle>
     <a:defPPr>
@@ -3069,7 +3069,7 @@
         </p:nvSpPr>
         <p:spPr>
           <a:xfrm rot="9620770">
-            <a:off x="6693014" y="4114800"/>
+            <a:off x="6693014" y="3479800"/>
             <a:ext cx="5663972" cy="25400"/>
           </a:xfrm>
           <a:prstGeom prst="rect">
@@ -3093,7 +3093,7 @@
         </p:nvSpPr>
         <p:spPr>
           <a:xfrm rot="7981503">
-            <a:off x="10000089" y="4114800"/>
+            <a:off x="10000089" y="3479800"/>
             <a:ext cx="2605822" cy="25400"/>
           </a:xfrm>
           <a:prstGeom prst="rect">
@@ -3117,7 +3117,7 @@
         </p:nvSpPr>
         <p:spPr>
           <a:xfrm rot="2818496">
-            <a:off x="11778089" y="4114800"/>
+            <a:off x="11778089" y="3479800"/>
             <a:ext cx="2605822" cy="25400"/>
           </a:xfrm>
           <a:prstGeom prst="rect">
@@ -3141,7 +3141,7 @@
         </p:nvSpPr>
         <p:spPr>
           <a:xfrm rot="2818496">
-            <a:off x="6444089" y="7289800"/>
+            <a:off x="6444089" y="6654800"/>
             <a:ext cx="2605822" cy="25400"/>
           </a:xfrm>
           <a:prstGeom prst="rect">
@@ -3165,7 +3165,7 @@
         </p:nvSpPr>
         <p:spPr>
           <a:xfrm rot="2818496">
-            <a:off x="10000089" y="7289800"/>
+            <a:off x="10000089" y="6654800"/>
             <a:ext cx="2605822" cy="25400"/>
           </a:xfrm>
           <a:prstGeom prst="rect">
@@ -3189,7 +3189,7 @@
         </p:nvSpPr>
         <p:spPr>
           <a:xfrm rot="2818496">
-            <a:off x="13556089" y="7289800"/>
+            <a:off x="13556089" y="6654800"/>
             <a:ext cx="2605822" cy="25400"/>
           </a:xfrm>
           <a:prstGeom prst="rect">
@@ -3213,7 +3213,7 @@
         </p:nvSpPr>
         <p:spPr>
           <a:xfrm rot="10800000">
-            <a:off x="6858000" y="5702300"/>
+            <a:off x="6858000" y="5067300"/>
             <a:ext cx="10668000" cy="25400"/>
           </a:xfrm>
           <a:prstGeom prst="rect">
@@ -3237,7 +3237,7 @@
         </p:nvSpPr>
         <p:spPr>
           <a:xfrm rot="10800000">
-            <a:off x="10414000" y="5702300"/>
+            <a:off x="10414000" y="5067300"/>
             <a:ext cx="7112000" cy="25400"/>
           </a:xfrm>
           <a:prstGeom prst="rect">
@@ -3261,7 +3261,7 @@
         </p:nvSpPr>
         <p:spPr>
           <a:xfrm>
-            <a:off x="10871200" y="1981200"/>
+            <a:off x="10871200" y="1346200"/>
             <a:ext cx="2794000" cy="1270000"/>
           </a:xfrm>
           <a:prstGeom prst="roundRect">
@@ -3285,7 +3285,7 @@
         </p:nvSpPr>
         <p:spPr>
           <a:xfrm>
-            <a:off x="5537200" y="5156200"/>
+            <a:off x="5537200" y="4521200"/>
             <a:ext cx="2794000" cy="1270000"/>
           </a:xfrm>
           <a:prstGeom prst="roundRect">
@@ -3309,7 +3309,7 @@
         </p:nvSpPr>
         <p:spPr>
           <a:xfrm>
-            <a:off x="9093200" y="5156200"/>
+            <a:off x="9093200" y="4521200"/>
             <a:ext cx="2794000" cy="1270000"/>
           </a:xfrm>
           <a:prstGeom prst="roundRect">
@@ -3333,7 +3333,7 @@
         </p:nvSpPr>
         <p:spPr>
           <a:xfrm>
-            <a:off x="12649200" y="5156200"/>
+            <a:off x="12649200" y="4521200"/>
             <a:ext cx="2794000" cy="1270000"/>
           </a:xfrm>
           <a:prstGeom prst="roundRect">
@@ -3357,7 +3357,7 @@
         </p:nvSpPr>
         <p:spPr>
           <a:xfrm>
-            <a:off x="16205200" y="5156200"/>
+            <a:off x="16205200" y="4521200"/>
             <a:ext cx="2794000" cy="1270000"/>
           </a:xfrm>
           <a:prstGeom prst="roundRect">
@@ -3381,7 +3381,7 @@
         </p:nvSpPr>
         <p:spPr>
           <a:xfrm>
-            <a:off x="7315200" y="8331200"/>
+            <a:off x="7315200" y="7696200"/>
             <a:ext cx="2794000" cy="1270000"/>
           </a:xfrm>
           <a:prstGeom prst="flowChartMagneticDisk">
@@ -3405,7 +3405,7 @@
         </p:nvSpPr>
         <p:spPr>
           <a:xfrm>
-            <a:off x="10871200" y="8331200"/>
+            <a:off x="10871200" y="7696200"/>
             <a:ext cx="2794000" cy="1270000"/>
           </a:xfrm>
           <a:prstGeom prst="flowChartMagneticDisk">
@@ -3429,7 +3429,7 @@
         </p:nvSpPr>
         <p:spPr>
           <a:xfrm>
-            <a:off x="14427200" y="8331200"/>
+            <a:off x="14427200" y="7696200"/>
             <a:ext cx="2794000" cy="1270000"/>
           </a:xfrm>
           <a:prstGeom prst="flowChartMagneticDisk">
@@ -3453,7 +3453,7 @@
         </p:nvSpPr>
         <p:spPr>
           <a:xfrm>
-            <a:off x="10795000" y="1905000"/>
+            <a:off x="10795000" y="1270000"/>
             <a:ext cx="2794000" cy="1270000"/>
           </a:xfrm>
           <a:prstGeom prst="roundRect">
@@ -3506,7 +3506,7 @@
         </p:nvSpPr>
         <p:spPr>
           <a:xfrm>
-            <a:off x="5461000" y="5080000"/>
+            <a:off x="5461000" y="4445000"/>
             <a:ext cx="2794000" cy="1270000"/>
           </a:xfrm>
           <a:prstGeom prst="roundRect">
@@ -3559,7 +3559,7 @@
         </p:nvSpPr>
         <p:spPr>
           <a:xfrm>
-            <a:off x="9017000" y="5080000"/>
+            <a:off x="9017000" y="4445000"/>
             <a:ext cx="2794000" cy="1270000"/>
           </a:xfrm>
           <a:prstGeom prst="roundRect">
@@ -3612,7 +3612,7 @@
         </p:nvSpPr>
         <p:spPr>
           <a:xfrm>
-            <a:off x="12573000" y="5080000"/>
+            <a:off x="12573000" y="4445000"/>
             <a:ext cx="2794000" cy="1270000"/>
           </a:xfrm>
           <a:prstGeom prst="roundRect">
@@ -3665,7 +3665,7 @@
         </p:nvSpPr>
         <p:spPr>
           <a:xfrm>
-            <a:off x="16129000" y="5080000"/>
+            <a:off x="16129000" y="4445000"/>
             <a:ext cx="2794000" cy="1270000"/>
           </a:xfrm>
           <a:prstGeom prst="roundRect">
@@ -3718,7 +3718,7 @@
         </p:nvSpPr>
         <p:spPr>
           <a:xfrm>
-            <a:off x="7239000" y="8255000"/>
+            <a:off x="7239000" y="7620000"/>
             <a:ext cx="2794000" cy="1270000"/>
           </a:xfrm>
           <a:prstGeom prst="flowChartMagneticDisk">
@@ -3771,7 +3771,7 @@
         </p:nvSpPr>
         <p:spPr>
           <a:xfrm>
-            <a:off x="10795000" y="8255000"/>
+            <a:off x="10795000" y="7620000"/>
             <a:ext cx="2794000" cy="1270000"/>
           </a:xfrm>
           <a:prstGeom prst="flowChartMagneticDisk">
@@ -3824,7 +3824,7 @@
         </p:nvSpPr>
         <p:spPr>
           <a:xfrm>
-            <a:off x="14351000" y="8255000"/>
+            <a:off x="14351000" y="7620000"/>
             <a:ext cx="2794000" cy="1270000"/>
           </a:xfrm>
           <a:prstGeom prst="flowChartMagneticDisk">
